--- a/04_BasicPage/0423_Assignment.pptx
+++ b/04_BasicPage/0423_Assignment.pptx
@@ -5,7 +5,7 @@
     <p:sldMasterId id="2147483648" r:id="rId1"/>
   </p:sldMasterIdLst>
   <p:notesMasterIdLst>
-    <p:notesMasterId r:id="rId10"/>
+    <p:notesMasterId r:id="rId11"/>
   </p:notesMasterIdLst>
   <p:sldIdLst>
     <p:sldId id="256" r:id="rId2"/>
@@ -15,7 +15,8 @@
     <p:sldId id="266" r:id="rId6"/>
     <p:sldId id="267" r:id="rId7"/>
     <p:sldId id="269" r:id="rId8"/>
-    <p:sldId id="259" r:id="rId9"/>
+    <p:sldId id="270" r:id="rId9"/>
+    <p:sldId id="259" r:id="rId10"/>
   </p:sldIdLst>
   <p:sldSz cx="9144000" cy="6858000" type="screen4x3"/>
   <p:notesSz cx="6858000" cy="9144000"/>
@@ -216,7 +217,7 @@
             <a:fld id="{6837EDA8-41C8-4B24-A206-13C08A65A6D7}" type="datetimeFigureOut">
               <a:rPr lang="zh-TW" altLang="en-US" smtClean="0"/>
               <a:pPr/>
-              <a:t>2019/10/4</a:t>
+              <a:t>2019/10/5</a:t>
             </a:fld>
             <a:endParaRPr lang="zh-TW" altLang="en-US"/>
           </a:p>
@@ -754,7 +755,7 @@
             <a:fld id="{8B85509C-BD4F-47BF-9B1E-FC2E949B3621}" type="datetime1">
               <a:rPr lang="zh-TW" altLang="en-US" smtClean="0"/>
               <a:pPr/>
-              <a:t>2019/10/4</a:t>
+              <a:t>2019/10/5</a:t>
             </a:fld>
             <a:endParaRPr lang="zh-TW" altLang="en-US"/>
           </a:p>
@@ -927,7 +928,7 @@
             <a:fld id="{42251B24-F787-4C15-8A0F-7AEC20C70069}" type="datetime1">
               <a:rPr lang="zh-TW" altLang="en-US" smtClean="0"/>
               <a:pPr/>
-              <a:t>2019/10/4</a:t>
+              <a:t>2019/10/5</a:t>
             </a:fld>
             <a:endParaRPr lang="zh-TW" altLang="en-US"/>
           </a:p>
@@ -1102,7 +1103,7 @@
             <a:fld id="{9CA0D33C-CE2B-45F1-B8D4-FFD1F131F331}" type="datetime1">
               <a:rPr lang="zh-TW" altLang="en-US" smtClean="0"/>
               <a:pPr/>
-              <a:t>2019/10/4</a:t>
+              <a:t>2019/10/5</a:t>
             </a:fld>
             <a:endParaRPr lang="zh-TW" altLang="en-US"/>
           </a:p>
@@ -1267,7 +1268,7 @@
             <a:fld id="{50B99440-D9EF-40CC-9B52-F6428D9B2C76}" type="datetime1">
               <a:rPr lang="zh-TW" altLang="en-US" smtClean="0"/>
               <a:pPr/>
-              <a:t>2019/10/4</a:t>
+              <a:t>2019/10/5</a:t>
             </a:fld>
             <a:endParaRPr lang="zh-TW" altLang="en-US"/>
           </a:p>
@@ -1509,7 +1510,7 @@
             <a:fld id="{0871BF52-5C6C-4959-8E27-CECB68D39FE4}" type="datetime1">
               <a:rPr lang="zh-TW" altLang="en-US" smtClean="0"/>
               <a:pPr/>
-              <a:t>2019/10/4</a:t>
+              <a:t>2019/10/5</a:t>
             </a:fld>
             <a:endParaRPr lang="zh-TW" altLang="en-US"/>
           </a:p>
@@ -1791,7 +1792,7 @@
             <a:fld id="{DF863F05-2DD9-4EB1-A827-12FD992DE9DC}" type="datetime1">
               <a:rPr lang="zh-TW" altLang="en-US" smtClean="0"/>
               <a:pPr/>
-              <a:t>2019/10/4</a:t>
+              <a:t>2019/10/5</a:t>
             </a:fld>
             <a:endParaRPr lang="zh-TW" altLang="en-US"/>
           </a:p>
@@ -2207,7 +2208,7 @@
             <a:fld id="{6339AF51-4491-4873-A096-75DB6CE47516}" type="datetime1">
               <a:rPr lang="zh-TW" altLang="en-US" smtClean="0"/>
               <a:pPr/>
-              <a:t>2019/10/4</a:t>
+              <a:t>2019/10/5</a:t>
             </a:fld>
             <a:endParaRPr lang="zh-TW" altLang="en-US"/>
           </a:p>
@@ -2321,7 +2322,7 @@
             <a:fld id="{EE4AD9C8-8B9E-40FF-ABE2-858AC2057BBB}" type="datetime1">
               <a:rPr lang="zh-TW" altLang="en-US" smtClean="0"/>
               <a:pPr/>
-              <a:t>2019/10/4</a:t>
+              <a:t>2019/10/5</a:t>
             </a:fld>
             <a:endParaRPr lang="zh-TW" altLang="en-US"/>
           </a:p>
@@ -2413,7 +2414,7 @@
             <a:fld id="{B4784999-BBBE-4BE4-A8D0-877E7D1D66CC}" type="datetime1">
               <a:rPr lang="zh-TW" altLang="en-US" smtClean="0"/>
               <a:pPr/>
-              <a:t>2019/10/4</a:t>
+              <a:t>2019/10/5</a:t>
             </a:fld>
             <a:endParaRPr lang="zh-TW" altLang="en-US"/>
           </a:p>
@@ -2685,7 +2686,7 @@
             <a:fld id="{E88D17E6-02BD-4944-B9FE-7BFCCBF83D48}" type="datetime1">
               <a:rPr lang="zh-TW" altLang="en-US" smtClean="0"/>
               <a:pPr/>
-              <a:t>2019/10/4</a:t>
+              <a:t>2019/10/5</a:t>
             </a:fld>
             <a:endParaRPr lang="zh-TW" altLang="en-US"/>
           </a:p>
@@ -2934,7 +2935,7 @@
             <a:fld id="{3C13E23D-1FEF-4D78-A3A3-3D6F2BB31954}" type="datetime1">
               <a:rPr lang="zh-TW" altLang="en-US" smtClean="0"/>
               <a:pPr/>
-              <a:t>2019/10/4</a:t>
+              <a:t>2019/10/5</a:t>
             </a:fld>
             <a:endParaRPr lang="zh-TW" altLang="en-US"/>
           </a:p>
@@ -3142,7 +3143,7 @@
             <a:fld id="{06197F35-AD6F-4594-8B50-334492D2E7E8}" type="datetime1">
               <a:rPr lang="zh-TW" altLang="en-US" smtClean="0"/>
               <a:pPr/>
-              <a:t>2019/10/4</a:t>
+              <a:t>2019/10/5</a:t>
             </a:fld>
             <a:endParaRPr lang="zh-TW" altLang="en-US"/>
           </a:p>
@@ -3603,7 +3604,7 @@
             <a:fld id="{C389EDC9-19E3-47AC-9C57-C6A24DEA81AD}" type="datetime1">
               <a:rPr lang="zh-TW" altLang="en-US" smtClean="0"/>
               <a:pPr/>
-              <a:t>2019/10/4</a:t>
+              <a:t>2019/10/5</a:t>
             </a:fld>
             <a:endParaRPr lang="zh-TW" altLang="en-US"/>
           </a:p>
@@ -4087,7 +4088,7 @@
             <a:fld id="{A4F910E6-8D00-4BAF-8C48-9688E0B449D3}" type="datetime1">
               <a:rPr lang="zh-TW" altLang="en-US" smtClean="0"/>
               <a:pPr/>
-              <a:t>2019/10/4</a:t>
+              <a:t>2019/10/5</a:t>
             </a:fld>
             <a:endParaRPr lang="zh-TW" altLang="en-US"/>
           </a:p>
@@ -4646,7 +4647,7 @@
             <a:fld id="{A4F910E6-8D00-4BAF-8C48-9688E0B449D3}" type="datetime1">
               <a:rPr lang="zh-TW" altLang="en-US" smtClean="0"/>
               <a:pPr/>
-              <a:t>2019/10/4</a:t>
+              <a:t>2019/10/5</a:t>
             </a:fld>
             <a:endParaRPr lang="zh-TW" altLang="en-US" dirty="0"/>
           </a:p>
@@ -5296,7 +5297,7 @@
             <a:fld id="{A4F910E6-8D00-4BAF-8C48-9688E0B449D3}" type="datetime1">
               <a:rPr lang="zh-TW" altLang="en-US" smtClean="0"/>
               <a:pPr/>
-              <a:t>2019/10/4</a:t>
+              <a:t>2019/10/5</a:t>
             </a:fld>
             <a:endParaRPr lang="zh-TW" altLang="en-US" dirty="0"/>
           </a:p>
@@ -5749,7 +5750,7 @@
             <a:fld id="{A4F910E6-8D00-4BAF-8C48-9688E0B449D3}" type="datetime1">
               <a:rPr lang="zh-TW" altLang="en-US" smtClean="0"/>
               <a:pPr/>
-              <a:t>2019/10/4</a:t>
+              <a:t>2019/10/5</a:t>
             </a:fld>
             <a:endParaRPr lang="zh-TW" altLang="en-US" dirty="0"/>
           </a:p>
@@ -6201,7 +6202,7 @@
             <a:fld id="{A4F910E6-8D00-4BAF-8C48-9688E0B449D3}" type="datetime1">
               <a:rPr lang="zh-TW" altLang="en-US" smtClean="0"/>
               <a:pPr/>
-              <a:t>2019/10/4</a:t>
+              <a:t>2019/10/5</a:t>
             </a:fld>
             <a:endParaRPr lang="zh-TW" altLang="en-US" dirty="0"/>
           </a:p>
@@ -6550,7 +6551,7 @@
             <a:fld id="{A4F910E6-8D00-4BAF-8C48-9688E0B449D3}" type="datetime1">
               <a:rPr lang="zh-TW" altLang="en-US" smtClean="0"/>
               <a:pPr/>
-              <a:t>2019/10/4</a:t>
+              <a:t>2019/10/5</a:t>
             </a:fld>
             <a:endParaRPr lang="zh-TW" altLang="en-US" dirty="0"/>
           </a:p>
@@ -7024,6 +7025,849 @@
         </p:nvSpPr>
         <p:spPr>
           <a:xfrm>
+            <a:off x="0" y="1"/>
+            <a:ext cx="9144000" cy="764704"/>
+          </a:xfrm>
+          <a:gradFill flip="none" rotWithShape="1">
+            <a:gsLst>
+              <a:gs pos="0">
+                <a:srgbClr val="C00000">
+                  <a:shade val="30000"/>
+                  <a:satMod val="115000"/>
+                </a:srgbClr>
+              </a:gs>
+              <a:gs pos="50000">
+                <a:srgbClr val="C00000">
+                  <a:shade val="67500"/>
+                  <a:satMod val="115000"/>
+                </a:srgbClr>
+              </a:gs>
+              <a:gs pos="100000">
+                <a:srgbClr val="C00000">
+                  <a:shade val="100000"/>
+                  <a:satMod val="115000"/>
+                </a:srgbClr>
+              </a:gs>
+            </a:gsLst>
+            <a:path path="circle">
+              <a:fillToRect t="100000" r="100000"/>
+            </a:path>
+            <a:tileRect l="-100000" b="-100000"/>
+          </a:gradFill>
+        </p:spPr>
+        <p:txBody>
+          <a:bodyPr>
+            <a:normAutofit/>
+          </a:bodyPr>
+          <a:lstStyle/>
+          <a:p>
+            <a:pPr algn="l"/>
+            <a:r>
+              <a:rPr lang="en-US" altLang="zh-TW" b="1" dirty="0">
+                <a:solidFill>
+                  <a:srgbClr val="FFFF00"/>
+                </a:solidFill>
+              </a:rPr>
+              <a:t>0423 Basic Page Assignment</a:t>
+            </a:r>
+            <a:endParaRPr lang="zh-TW" altLang="en-US" b="1" dirty="0">
+              <a:solidFill>
+                <a:srgbClr val="FFFF00"/>
+              </a:solidFill>
+            </a:endParaRPr>
+          </a:p>
+        </p:txBody>
+      </p:sp>
+      <p:sp>
+        <p:nvSpPr>
+          <p:cNvPr id="3" name="副標題 2"/>
+          <p:cNvSpPr>
+            <a:spLocks noGrp="1"/>
+          </p:cNvSpPr>
+          <p:nvPr>
+            <p:ph type="subTitle" idx="1"/>
+          </p:nvPr>
+        </p:nvSpPr>
+        <p:spPr>
+          <a:xfrm>
+            <a:off x="501534" y="1320806"/>
+            <a:ext cx="8185266" cy="398617"/>
+          </a:xfrm>
+          <a:ln>
+            <a:solidFill>
+              <a:srgbClr val="C00000"/>
+            </a:solidFill>
+          </a:ln>
+        </p:spPr>
+        <p:txBody>
+          <a:bodyPr>
+            <a:noAutofit/>
+          </a:bodyPr>
+          <a:lstStyle/>
+          <a:p>
+            <a:pPr marL="342900" indent="-342900" algn="l">
+              <a:buClr>
+                <a:srgbClr val="0070C0"/>
+              </a:buClr>
+              <a:buSzPct val="80000"/>
+              <a:buFont typeface="Wingdings" pitchFamily="2" charset="2"/>
+              <a:buChar char="u"/>
+            </a:pPr>
+            <a:r>
+              <a:rPr lang="en-US" sz="1800" b="1" dirty="0">
+                <a:solidFill>
+                  <a:schemeClr val="tx1"/>
+                </a:solidFill>
+              </a:rPr>
+              <a:t>Module 4: Basic HTML (1): </a:t>
+            </a:r>
+          </a:p>
+        </p:txBody>
+      </p:sp>
+      <p:sp>
+        <p:nvSpPr>
+          <p:cNvPr id="4" name="標題 1"/>
+          <p:cNvSpPr txBox="1">
+            <a:spLocks/>
+          </p:cNvSpPr>
+          <p:nvPr/>
+        </p:nvSpPr>
+        <p:spPr>
+          <a:xfrm>
+            <a:off x="0" y="764704"/>
+            <a:ext cx="9144000" cy="398616"/>
+          </a:xfrm>
+          <a:prstGeom prst="rect">
+            <a:avLst/>
+          </a:prstGeom>
+          <a:gradFill flip="none" rotWithShape="1">
+            <a:gsLst>
+              <a:gs pos="0">
+                <a:srgbClr val="00B0F0">
+                  <a:shade val="30000"/>
+                  <a:satMod val="115000"/>
+                </a:srgbClr>
+              </a:gs>
+              <a:gs pos="50000">
+                <a:srgbClr val="00B0F0">
+                  <a:shade val="67500"/>
+                  <a:satMod val="115000"/>
+                </a:srgbClr>
+              </a:gs>
+              <a:gs pos="100000">
+                <a:srgbClr val="00B0F0">
+                  <a:shade val="100000"/>
+                  <a:satMod val="115000"/>
+                </a:srgbClr>
+              </a:gs>
+            </a:gsLst>
+            <a:path path="circle">
+              <a:fillToRect t="100000" r="100000"/>
+            </a:path>
+            <a:tileRect l="-100000" b="-100000"/>
+          </a:gradFill>
+        </p:spPr>
+        <p:txBody>
+          <a:bodyPr vert="horz" lIns="91440" tIns="45720" rIns="91440" bIns="45720" rtlCol="0" anchor="ctr">
+            <a:normAutofit/>
+          </a:bodyPr>
+          <a:lstStyle/>
+          <a:p>
+            <a:pPr marL="0" lvl="1"/>
+            <a:r>
+              <a:rPr lang="en-US" sz="1600" dirty="0">
+                <a:hlinkClick r:id="rId2"/>
+              </a:rPr>
+              <a:t>https://ucsc-extension.instructure.com/courses/3825/pages/1-dot-1-welcome?module_item_id=42202</a:t>
+            </a:r>
+            <a:endParaRPr lang="en-US" sz="1600" dirty="0"/>
+          </a:p>
+        </p:txBody>
+      </p:sp>
+      <p:sp>
+        <p:nvSpPr>
+          <p:cNvPr id="5" name="日期版面配置區 4"/>
+          <p:cNvSpPr>
+            <a:spLocks noGrp="1"/>
+          </p:cNvSpPr>
+          <p:nvPr>
+            <p:ph type="dt" sz="half" idx="10"/>
+          </p:nvPr>
+        </p:nvSpPr>
+        <p:spPr>
+          <a:xfrm>
+            <a:off x="457200" y="6356350"/>
+            <a:ext cx="2133600" cy="404246"/>
+          </a:xfrm>
+        </p:spPr>
+        <p:txBody>
+          <a:bodyPr/>
+          <a:lstStyle/>
+          <a:p>
+            <a:fld id="{A4F910E6-8D00-4BAF-8C48-9688E0B449D3}" type="datetime1">
+              <a:rPr lang="zh-TW" altLang="en-US" smtClean="0"/>
+              <a:pPr/>
+              <a:t>2019/10/5</a:t>
+            </a:fld>
+            <a:endParaRPr lang="zh-TW" altLang="en-US" dirty="0"/>
+          </a:p>
+        </p:txBody>
+      </p:sp>
+      <p:sp>
+        <p:nvSpPr>
+          <p:cNvPr id="6" name="投影片編號版面配置區 5"/>
+          <p:cNvSpPr>
+            <a:spLocks noGrp="1"/>
+          </p:cNvSpPr>
+          <p:nvPr>
+            <p:ph type="sldNum" sz="quarter" idx="12"/>
+          </p:nvPr>
+        </p:nvSpPr>
+        <p:spPr>
+          <a:xfrm>
+            <a:off x="6553200" y="6356350"/>
+            <a:ext cx="2133600" cy="404246"/>
+          </a:xfrm>
+        </p:spPr>
+        <p:txBody>
+          <a:bodyPr/>
+          <a:lstStyle/>
+          <a:p>
+            <a:fld id="{E4D7E63D-91F2-4366-A2C4-1B00C9E2590E}" type="slidenum">
+              <a:rPr lang="zh-TW" altLang="en-US" smtClean="0"/>
+              <a:pPr/>
+              <a:t>8</a:t>
+            </a:fld>
+            <a:endParaRPr lang="zh-TW" altLang="en-US"/>
+          </a:p>
+        </p:txBody>
+      </p:sp>
+      <p:sp>
+        <p:nvSpPr>
+          <p:cNvPr id="8" name="AutoShape 2" descr="Assignment icon">
+            <a:extLst>
+              <a:ext uri="{FF2B5EF4-FFF2-40B4-BE49-F238E27FC236}">
+                <a16:creationId xmlns:a16="http://schemas.microsoft.com/office/drawing/2014/main" id="{BFDC7B18-3E77-4B92-ABBE-449724C78883}"/>
+              </a:ext>
+            </a:extLst>
+          </p:cNvPr>
+          <p:cNvSpPr>
+            <a:spLocks noChangeAspect="1" noChangeArrowheads="1"/>
+          </p:cNvSpPr>
+          <p:nvPr/>
+        </p:nvSpPr>
+        <p:spPr bwMode="auto">
+          <a:xfrm>
+            <a:off x="730250" y="-3246438"/>
+            <a:ext cx="381000" cy="352425"/>
+          </a:xfrm>
+          <a:prstGeom prst="rect">
+            <a:avLst/>
+          </a:prstGeom>
+          <a:noFill/>
+          <a:extLst>
+            <a:ext uri="{909E8E84-426E-40DD-AFC4-6F175D3DCCD1}">
+              <a14:hiddenFill xmlns:a14="http://schemas.microsoft.com/office/drawing/2010/main">
+                <a:solidFill>
+                  <a:srgbClr val="FFFFFF"/>
+                </a:solidFill>
+              </a14:hiddenFill>
+            </a:ext>
+          </a:extLst>
+        </p:spPr>
+        <p:txBody>
+          <a:bodyPr vert="horz" wrap="square" lIns="91440" tIns="45720" rIns="91440" bIns="45720" numCol="1" anchor="t" anchorCtr="0" compatLnSpc="1">
+            <a:prstTxWarp prst="textNoShape">
+              <a:avLst/>
+            </a:prstTxWarp>
+          </a:bodyPr>
+          <a:lstStyle/>
+          <a:p>
+            <a:endParaRPr lang="en-US"/>
+          </a:p>
+        </p:txBody>
+      </p:sp>
+      <p:sp>
+        <p:nvSpPr>
+          <p:cNvPr id="9" name="AutoShape 3" descr="Quiz icon">
+            <a:extLst>
+              <a:ext uri="{FF2B5EF4-FFF2-40B4-BE49-F238E27FC236}">
+                <a16:creationId xmlns:a16="http://schemas.microsoft.com/office/drawing/2014/main" id="{C9F584D1-AB2D-4E2C-88D3-F8C50A375911}"/>
+              </a:ext>
+            </a:extLst>
+          </p:cNvPr>
+          <p:cNvSpPr>
+            <a:spLocks noChangeAspect="1" noChangeArrowheads="1"/>
+          </p:cNvSpPr>
+          <p:nvPr/>
+        </p:nvSpPr>
+        <p:spPr bwMode="auto">
+          <a:xfrm>
+            <a:off x="730250" y="-1463675"/>
+            <a:ext cx="400050" cy="381000"/>
+          </a:xfrm>
+          <a:prstGeom prst="rect">
+            <a:avLst/>
+          </a:prstGeom>
+          <a:noFill/>
+          <a:extLst>
+            <a:ext uri="{909E8E84-426E-40DD-AFC4-6F175D3DCCD1}">
+              <a14:hiddenFill xmlns:a14="http://schemas.microsoft.com/office/drawing/2010/main">
+                <a:solidFill>
+                  <a:srgbClr val="FFFFFF"/>
+                </a:solidFill>
+              </a14:hiddenFill>
+            </a:ext>
+          </a:extLst>
+        </p:spPr>
+        <p:txBody>
+          <a:bodyPr vert="horz" wrap="square" lIns="91440" tIns="45720" rIns="91440" bIns="45720" numCol="1" anchor="t" anchorCtr="0" compatLnSpc="1">
+            <a:prstTxWarp prst="textNoShape">
+              <a:avLst/>
+            </a:prstTxWarp>
+          </a:bodyPr>
+          <a:lstStyle/>
+          <a:p>
+            <a:endParaRPr lang="en-US"/>
+          </a:p>
+        </p:txBody>
+      </p:sp>
+      <p:graphicFrame>
+        <p:nvGraphicFramePr>
+          <p:cNvPr id="11" name="Table 11">
+            <a:extLst>
+              <a:ext uri="{FF2B5EF4-FFF2-40B4-BE49-F238E27FC236}">
+                <a16:creationId xmlns:a16="http://schemas.microsoft.com/office/drawing/2014/main" id="{61FB8075-45B7-4D17-89ED-80D4468D6211}"/>
+              </a:ext>
+            </a:extLst>
+          </p:cNvPr>
+          <p:cNvGraphicFramePr>
+            <a:graphicFrameLocks noGrp="1"/>
+          </p:cNvGraphicFramePr>
+          <p:nvPr>
+            <p:extLst>
+              <p:ext uri="{D42A27DB-BD31-4B8C-83A1-F6EECF244321}">
+                <p14:modId xmlns:p14="http://schemas.microsoft.com/office/powerpoint/2010/main" val="2375505786"/>
+              </p:ext>
+            </p:extLst>
+          </p:nvPr>
+        </p:nvGraphicFramePr>
+        <p:xfrm>
+          <a:off x="457200" y="1805623"/>
+          <a:ext cx="8229038" cy="4040901"/>
+        </p:xfrm>
+        <a:graphic>
+          <a:graphicData uri="http://schemas.openxmlformats.org/drawingml/2006/table">
+            <a:tbl>
+              <a:tblPr firstRow="1" bandRow="1">
+                <a:tableStyleId>{5C22544A-7EE6-4342-B048-85BDC9FD1C3A}</a:tableStyleId>
+              </a:tblPr>
+              <a:tblGrid>
+                <a:gridCol w="6001745">
+                  <a:extLst>
+                    <a:ext uri="{9D8B030D-6E8A-4147-A177-3AD203B41FA5}">
+                      <a16:colId xmlns:a16="http://schemas.microsoft.com/office/drawing/2014/main" val="1489177360"/>
+                    </a:ext>
+                  </a:extLst>
+                </a:gridCol>
+                <a:gridCol w="920242">
+                  <a:extLst>
+                    <a:ext uri="{9D8B030D-6E8A-4147-A177-3AD203B41FA5}">
+                      <a16:colId xmlns:a16="http://schemas.microsoft.com/office/drawing/2014/main" val="2337331756"/>
+                    </a:ext>
+                  </a:extLst>
+                </a:gridCol>
+                <a:gridCol w="1307051">
+                  <a:extLst>
+                    <a:ext uri="{9D8B030D-6E8A-4147-A177-3AD203B41FA5}">
+                      <a16:colId xmlns:a16="http://schemas.microsoft.com/office/drawing/2014/main" val="3618816026"/>
+                    </a:ext>
+                  </a:extLst>
+                </a:gridCol>
+              </a:tblGrid>
+              <a:tr h="350792">
+                <a:tc gridSpan="3">
+                  <a:txBody>
+                    <a:bodyPr/>
+                    <a:lstStyle/>
+                    <a:p>
+                      <a:r>
+                        <a:rPr lang="en-US" sz="1600" dirty="0"/>
+                        <a:t>Module 4: Basic HTML (1)</a:t>
+                      </a:r>
+                    </a:p>
+                  </a:txBody>
+                  <a:tcPr/>
+                </a:tc>
+                <a:tc hMerge="1">
+                  <a:txBody>
+                    <a:bodyPr/>
+                    <a:lstStyle/>
+                    <a:p>
+                      <a:endParaRPr lang="en-US" dirty="0"/>
+                    </a:p>
+                  </a:txBody>
+                  <a:tcPr/>
+                </a:tc>
+                <a:tc hMerge="1">
+                  <a:txBody>
+                    <a:bodyPr/>
+                    <a:lstStyle/>
+                    <a:p>
+                      <a:endParaRPr lang="en-US" dirty="0"/>
+                    </a:p>
+                  </a:txBody>
+                  <a:tcPr/>
+                </a:tc>
+                <a:extLst>
+                  <a:ext uri="{0D108BD9-81ED-4DB2-BD59-A6C34878D82A}">
+                    <a16:rowId xmlns:a16="http://schemas.microsoft.com/office/drawing/2014/main" val="253670835"/>
+                  </a:ext>
+                </a:extLst>
+              </a:tr>
+              <a:tr h="303289">
+                <a:tc>
+                  <a:txBody>
+                    <a:bodyPr/>
+                    <a:lstStyle/>
+                    <a:p>
+                      <a:r>
+                        <a:rPr lang="en-US" sz="1400" dirty="0">
+                          <a:effectLst/>
+                        </a:rPr>
+                        <a:t>Criteria</a:t>
+                      </a:r>
+                    </a:p>
+                  </a:txBody>
+                  <a:tcPr marL="95250" marR="95250" marT="66675" marB="66675" anchor="ctr"/>
+                </a:tc>
+                <a:tc>
+                  <a:txBody>
+                    <a:bodyPr/>
+                    <a:lstStyle/>
+                    <a:p>
+                      <a:r>
+                        <a:rPr lang="en-US" sz="1400">
+                          <a:effectLst/>
+                        </a:rPr>
+                        <a:t>Ratings</a:t>
+                      </a:r>
+                    </a:p>
+                  </a:txBody>
+                  <a:tcPr marL="95250" marR="95250" marT="66675" marB="66675" anchor="ctr"/>
+                </a:tc>
+                <a:tc>
+                  <a:txBody>
+                    <a:bodyPr/>
+                    <a:lstStyle/>
+                    <a:p>
+                      <a:r>
+                        <a:rPr lang="en-US" sz="1400" dirty="0">
+                          <a:effectLst/>
+                        </a:rPr>
+                        <a:t>Pts</a:t>
+                      </a:r>
+                    </a:p>
+                  </a:txBody>
+                  <a:tcPr marL="95250" marR="95250" marT="66675" marB="66675" anchor="ctr"/>
+                </a:tc>
+                <a:extLst>
+                  <a:ext uri="{0D108BD9-81ED-4DB2-BD59-A6C34878D82A}">
+                    <a16:rowId xmlns:a16="http://schemas.microsoft.com/office/drawing/2014/main" val="2371884675"/>
+                  </a:ext>
+                </a:extLst>
+              </a:tr>
+              <a:tr h="478684">
+                <a:tc>
+                  <a:txBody>
+                    <a:bodyPr/>
+                    <a:lstStyle/>
+                    <a:p>
+                      <a:pPr fontAlgn="ctr"/>
+                      <a:r>
+                        <a:rPr lang="en-US" sz="1400" dirty="0">
+                          <a:effectLst/>
+                        </a:rPr>
+                        <a:t>This criterion is linked to a Learning </a:t>
+                      </a:r>
+                      <a:r>
+                        <a:rPr lang="en-US" sz="1400" dirty="0" err="1">
+                          <a:effectLst/>
+                        </a:rPr>
+                        <a:t>OutcomeHTML</a:t>
+                      </a:r>
+                      <a:r>
+                        <a:rPr lang="en-US" sz="1400" dirty="0">
+                          <a:effectLst/>
+                        </a:rPr>
+                        <a:t> passed validation (no warnings or errors).</a:t>
+                      </a:r>
+                      <a:endParaRPr lang="en-US" sz="1400" b="0" dirty="0">
+                        <a:effectLst/>
+                      </a:endParaRPr>
+                    </a:p>
+                  </a:txBody>
+                  <a:tcPr marL="95250" marR="95250" marT="66675" marB="66675"/>
+                </a:tc>
+                <a:tc>
+                  <a:txBody>
+                    <a:bodyPr/>
+                    <a:lstStyle/>
+                    <a:p>
+                      <a:endParaRPr lang="en-US" sz="1400">
+                        <a:effectLst/>
+                      </a:endParaRPr>
+                    </a:p>
+                  </a:txBody>
+                  <a:tcPr anchor="ctr"/>
+                </a:tc>
+                <a:tc>
+                  <a:txBody>
+                    <a:bodyPr/>
+                    <a:lstStyle/>
+                    <a:p>
+                      <a:r>
+                        <a:rPr lang="en-US" sz="1400">
+                          <a:effectLst/>
+                        </a:rPr>
+                        <a:t>1.0 pts</a:t>
+                      </a:r>
+                      <a:br>
+                        <a:rPr lang="en-US" sz="1400">
+                          <a:effectLst/>
+                        </a:rPr>
+                      </a:br>
+                      <a:endParaRPr lang="en-US" sz="1400">
+                        <a:effectLst/>
+                      </a:endParaRPr>
+                    </a:p>
+                  </a:txBody>
+                  <a:tcPr marL="95250" marR="95250" marT="66675" marB="66675" anchor="ctr"/>
+                </a:tc>
+                <a:extLst>
+                  <a:ext uri="{0D108BD9-81ED-4DB2-BD59-A6C34878D82A}">
+                    <a16:rowId xmlns:a16="http://schemas.microsoft.com/office/drawing/2014/main" val="1196193063"/>
+                  </a:ext>
+                </a:extLst>
+              </a:tr>
+              <a:tr h="478684">
+                <a:tc>
+                  <a:txBody>
+                    <a:bodyPr/>
+                    <a:lstStyle/>
+                    <a:p>
+                      <a:pPr fontAlgn="ctr"/>
+                      <a:r>
+                        <a:rPr lang="en-US" sz="1400" dirty="0">
+                          <a:effectLst/>
+                        </a:rPr>
+                        <a:t>This criterion is linked to a Learning </a:t>
+                      </a:r>
+                      <a:r>
+                        <a:rPr lang="en-US" sz="1400" dirty="0" err="1">
+                          <a:effectLst/>
+                        </a:rPr>
+                        <a:t>OutcomeContent</a:t>
+                      </a:r>
+                      <a:r>
+                        <a:rPr lang="en-US" sz="1400" dirty="0">
+                          <a:effectLst/>
+                        </a:rPr>
+                        <a:t> for &lt;title&gt; and meta tag for description is meaningful and keyword rich.</a:t>
+                      </a:r>
+                      <a:endParaRPr lang="en-US" sz="1400" b="0" dirty="0">
+                        <a:effectLst/>
+                      </a:endParaRPr>
+                    </a:p>
+                  </a:txBody>
+                  <a:tcPr marL="95250" marR="95250" marT="66675" marB="66675"/>
+                </a:tc>
+                <a:tc>
+                  <a:txBody>
+                    <a:bodyPr/>
+                    <a:lstStyle/>
+                    <a:p>
+                      <a:endParaRPr lang="en-US" sz="1400">
+                        <a:effectLst/>
+                      </a:endParaRPr>
+                    </a:p>
+                  </a:txBody>
+                  <a:tcPr anchor="ctr"/>
+                </a:tc>
+                <a:tc>
+                  <a:txBody>
+                    <a:bodyPr/>
+                    <a:lstStyle/>
+                    <a:p>
+                      <a:r>
+                        <a:rPr lang="en-US" sz="1400">
+                          <a:effectLst/>
+                        </a:rPr>
+                        <a:t>2.0 pts</a:t>
+                      </a:r>
+                      <a:br>
+                        <a:rPr lang="en-US" sz="1400">
+                          <a:effectLst/>
+                        </a:rPr>
+                      </a:br>
+                      <a:endParaRPr lang="en-US" sz="1400">
+                        <a:effectLst/>
+                      </a:endParaRPr>
+                    </a:p>
+                  </a:txBody>
+                  <a:tcPr marL="95250" marR="95250" marT="66675" marB="66675" anchor="ctr"/>
+                </a:tc>
+                <a:extLst>
+                  <a:ext uri="{0D108BD9-81ED-4DB2-BD59-A6C34878D82A}">
+                    <a16:rowId xmlns:a16="http://schemas.microsoft.com/office/drawing/2014/main" val="2502538737"/>
+                  </a:ext>
+                </a:extLst>
+              </a:tr>
+              <a:tr h="654080">
+                <a:tc>
+                  <a:txBody>
+                    <a:bodyPr/>
+                    <a:lstStyle/>
+                    <a:p>
+                      <a:pPr fontAlgn="ctr"/>
+                      <a:r>
+                        <a:rPr lang="en-US" sz="1400" dirty="0">
+                          <a:effectLst/>
+                        </a:rPr>
+                        <a:t>This criterion is linked to a Learning </a:t>
+                      </a:r>
+                      <a:r>
+                        <a:rPr lang="en-US" sz="1400" dirty="0" err="1">
+                          <a:effectLst/>
+                        </a:rPr>
+                        <a:t>OutcomeProper</a:t>
+                      </a:r>
+                      <a:r>
+                        <a:rPr lang="en-US" sz="1400" dirty="0">
+                          <a:effectLst/>
+                        </a:rPr>
+                        <a:t> semantic application of block level elements (heading, paragraph, blockquote, pre, </a:t>
+                      </a:r>
+                      <a:r>
+                        <a:rPr lang="en-US" sz="1400" dirty="0" err="1">
+                          <a:effectLst/>
+                        </a:rPr>
+                        <a:t>hr</a:t>
+                      </a:r>
+                      <a:r>
+                        <a:rPr lang="en-US" sz="1400" dirty="0">
+                          <a:effectLst/>
+                        </a:rPr>
+                        <a:t> etc.) at least four (4) different element examples (or more!).</a:t>
+                      </a:r>
+                      <a:endParaRPr lang="en-US" sz="1400" b="0" dirty="0">
+                        <a:effectLst/>
+                      </a:endParaRPr>
+                    </a:p>
+                  </a:txBody>
+                  <a:tcPr marL="95250" marR="95250" marT="66675" marB="66675"/>
+                </a:tc>
+                <a:tc>
+                  <a:txBody>
+                    <a:bodyPr/>
+                    <a:lstStyle/>
+                    <a:p>
+                      <a:endParaRPr lang="en-US" sz="1400">
+                        <a:effectLst/>
+                      </a:endParaRPr>
+                    </a:p>
+                  </a:txBody>
+                  <a:tcPr anchor="ctr"/>
+                </a:tc>
+                <a:tc>
+                  <a:txBody>
+                    <a:bodyPr/>
+                    <a:lstStyle/>
+                    <a:p>
+                      <a:r>
+                        <a:rPr lang="en-US" sz="1400">
+                          <a:effectLst/>
+                        </a:rPr>
+                        <a:t>2.0 pts</a:t>
+                      </a:r>
+                      <a:br>
+                        <a:rPr lang="en-US" sz="1400">
+                          <a:effectLst/>
+                        </a:rPr>
+                      </a:br>
+                      <a:endParaRPr lang="en-US" sz="1400">
+                        <a:effectLst/>
+                      </a:endParaRPr>
+                    </a:p>
+                  </a:txBody>
+                  <a:tcPr marL="95250" marR="95250" marT="66675" marB="66675" anchor="ctr"/>
+                </a:tc>
+                <a:extLst>
+                  <a:ext uri="{0D108BD9-81ED-4DB2-BD59-A6C34878D82A}">
+                    <a16:rowId xmlns:a16="http://schemas.microsoft.com/office/drawing/2014/main" val="504688518"/>
+                  </a:ext>
+                </a:extLst>
+              </a:tr>
+              <a:tr h="654080">
+                <a:tc>
+                  <a:txBody>
+                    <a:bodyPr/>
+                    <a:lstStyle/>
+                    <a:p>
+                      <a:pPr fontAlgn="ctr"/>
+                      <a:r>
+                        <a:rPr lang="en-US" sz="1400">
+                          <a:effectLst/>
+                        </a:rPr>
+                        <a:t>This criterion is linked to a Learning OutcomeProper semantic application of phrase elements (for example: sub, sup, i, em, b, strong, br, q, cite, etc) at least eight (8) different element examples of phrase elements (or more!).</a:t>
+                      </a:r>
+                      <a:endParaRPr lang="en-US" sz="1400" b="0">
+                        <a:effectLst/>
+                      </a:endParaRPr>
+                    </a:p>
+                  </a:txBody>
+                  <a:tcPr marL="95250" marR="95250" marT="66675" marB="66675"/>
+                </a:tc>
+                <a:tc>
+                  <a:txBody>
+                    <a:bodyPr/>
+                    <a:lstStyle/>
+                    <a:p>
+                      <a:endParaRPr lang="en-US" sz="1400">
+                        <a:effectLst/>
+                      </a:endParaRPr>
+                    </a:p>
+                  </a:txBody>
+                  <a:tcPr anchor="ctr"/>
+                </a:tc>
+                <a:tc>
+                  <a:txBody>
+                    <a:bodyPr/>
+                    <a:lstStyle/>
+                    <a:p>
+                      <a:r>
+                        <a:rPr lang="en-US" sz="1400">
+                          <a:effectLst/>
+                        </a:rPr>
+                        <a:t>4.0 pts</a:t>
+                      </a:r>
+                      <a:br>
+                        <a:rPr lang="en-US" sz="1400">
+                          <a:effectLst/>
+                        </a:rPr>
+                      </a:br>
+                      <a:endParaRPr lang="en-US" sz="1400">
+                        <a:effectLst/>
+                      </a:endParaRPr>
+                    </a:p>
+                  </a:txBody>
+                  <a:tcPr marL="95250" marR="95250" marT="66675" marB="66675" anchor="ctr"/>
+                </a:tc>
+                <a:extLst>
+                  <a:ext uri="{0D108BD9-81ED-4DB2-BD59-A6C34878D82A}">
+                    <a16:rowId xmlns:a16="http://schemas.microsoft.com/office/drawing/2014/main" val="4165399747"/>
+                  </a:ext>
+                </a:extLst>
+              </a:tr>
+              <a:tr h="676399">
+                <a:tc>
+                  <a:txBody>
+                    <a:bodyPr/>
+                    <a:lstStyle/>
+                    <a:p>
+                      <a:pPr fontAlgn="ctr"/>
+                      <a:r>
+                        <a:rPr lang="en-US" sz="1400">
+                          <a:effectLst/>
+                        </a:rPr>
+                        <a:t>This criterion is linked to a Learning OutcomeDemonstrated application of character entities (example: copyright, curly quotation marks etc.).</a:t>
+                      </a:r>
+                      <a:endParaRPr lang="en-US" sz="1400" b="0">
+                        <a:effectLst/>
+                      </a:endParaRPr>
+                    </a:p>
+                  </a:txBody>
+                  <a:tcPr marL="95250" marR="95250" marT="66675" marB="66675"/>
+                </a:tc>
+                <a:tc>
+                  <a:txBody>
+                    <a:bodyPr/>
+                    <a:lstStyle/>
+                    <a:p>
+                      <a:endParaRPr lang="en-US" sz="1400">
+                        <a:effectLst/>
+                      </a:endParaRPr>
+                    </a:p>
+                  </a:txBody>
+                  <a:tcPr anchor="ctr"/>
+                </a:tc>
+                <a:tc>
+                  <a:txBody>
+                    <a:bodyPr/>
+                    <a:lstStyle/>
+                    <a:p>
+                      <a:r>
+                        <a:rPr lang="en-US" sz="1400" dirty="0">
+                          <a:effectLst/>
+                        </a:rPr>
+                        <a:t>1.0 pts</a:t>
+                      </a:r>
+                    </a:p>
+                  </a:txBody>
+                  <a:tcPr marL="95250" marR="95250" marT="66675" marB="66675" anchor="ctr"/>
+                </a:tc>
+                <a:extLst>
+                  <a:ext uri="{0D108BD9-81ED-4DB2-BD59-A6C34878D82A}">
+                    <a16:rowId xmlns:a16="http://schemas.microsoft.com/office/drawing/2014/main" val="1412739468"/>
+                  </a:ext>
+                </a:extLst>
+              </a:tr>
+            </a:tbl>
+          </a:graphicData>
+        </a:graphic>
+      </p:graphicFrame>
+    </p:spTree>
+    <p:extLst>
+      <p:ext uri="{BB962C8B-B14F-4D97-AF65-F5344CB8AC3E}">
+        <p14:creationId xmlns:p14="http://schemas.microsoft.com/office/powerpoint/2010/main" val="3664752964"/>
+      </p:ext>
+    </p:extLst>
+  </p:cSld>
+  <p:clrMapOvr>
+    <a:masterClrMapping/>
+  </p:clrMapOvr>
+</p:sld>
+</file>
+
+<file path=ppt/slides/slide9.xml><?xml version="1.0" encoding="utf-8"?>
+<p:sld xmlns:a="http://schemas.openxmlformats.org/drawingml/2006/main" xmlns:r="http://schemas.openxmlformats.org/officeDocument/2006/relationships" xmlns:p="http://schemas.openxmlformats.org/presentationml/2006/main">
+  <p:cSld>
+    <p:spTree>
+      <p:nvGrpSpPr>
+        <p:cNvPr id="1" name=""/>
+        <p:cNvGrpSpPr/>
+        <p:nvPr/>
+      </p:nvGrpSpPr>
+      <p:grpSpPr>
+        <a:xfrm>
+          <a:off x="0" y="0"/>
+          <a:ext cx="0" cy="0"/>
+          <a:chOff x="0" y="0"/>
+          <a:chExt cx="0" cy="0"/>
+        </a:xfrm>
+      </p:grpSpPr>
+      <p:sp>
+        <p:nvSpPr>
+          <p:cNvPr id="2" name="標題 1"/>
+          <p:cNvSpPr>
+            <a:spLocks noGrp="1"/>
+          </p:cNvSpPr>
+          <p:nvPr>
+            <p:ph type="ctrTitle"/>
+          </p:nvPr>
+        </p:nvSpPr>
+        <p:spPr>
+          <a:xfrm>
             <a:off x="0" y="2130425"/>
             <a:ext cx="9144000" cy="1470025"/>
           </a:xfrm>
@@ -7094,7 +7938,7 @@
             <a:fld id="{4E46BE27-E923-4EC2-B046-3272AE2A3E5C}" type="datetime1">
               <a:rPr lang="zh-TW" altLang="en-US" smtClean="0"/>
               <a:pPr/>
-              <a:t>2019/10/4</a:t>
+              <a:t>2019/10/5</a:t>
             </a:fld>
             <a:endParaRPr lang="zh-TW" altLang="en-US"/>
           </a:p>
@@ -7118,7 +7962,7 @@
             <a:fld id="{E4D7E63D-91F2-4366-A2C4-1B00C9E2590E}" type="slidenum">
               <a:rPr lang="zh-TW" altLang="en-US" smtClean="0"/>
               <a:pPr/>
-              <a:t>8</a:t>
+              <a:t>9</a:t>
             </a:fld>
             <a:endParaRPr lang="zh-TW" altLang="en-US"/>
           </a:p>
